--- a/documents/Introduction_to_redis.pptx
+++ b/documents/Introduction_to_redis.pptx
@@ -23,6 +23,9 @@
     <p:sldId id="273" r:id="rId17"/>
     <p:sldId id="274" r:id="rId18"/>
     <p:sldId id="275" r:id="rId19"/>
+    <p:sldId id="276" r:id="rId20"/>
+    <p:sldId id="277" r:id="rId21"/>
+    <p:sldId id="278" r:id="rId22"/>
   </p:sldIdLst>
   <p:sldSz cx="12192000" cy="6858000"/>
   <p:notesSz cx="6858000" cy="9144000"/>
@@ -121,6 +124,11 @@
       </a:defRPr>
     </a:lvl9pPr>
   </p:defaultTextStyle>
+  <p:extLst>
+    <p:ext uri="{EFAFB233-063F-42B5-8137-9DF3F51BA10A}">
+      <p15:sldGuideLst xmlns:p15="http://schemas.microsoft.com/office/powerpoint/2012/main"/>
+    </p:ext>
+  </p:extLst>
 </p:presentation>
 </file>
 
@@ -4628,6 +4636,136 @@
 </p:sld>
 </file>
 
+<file path=ppt/slides/slide19.xml><?xml version="1.0" encoding="utf-8"?>
+<p:sld xmlns:a="http://schemas.openxmlformats.org/drawingml/2006/main" xmlns:r="http://schemas.openxmlformats.org/officeDocument/2006/relationships" xmlns:p="http://schemas.openxmlformats.org/presentationml/2006/main">
+  <p:cSld>
+    <p:spTree>
+      <p:nvGrpSpPr>
+        <p:cNvPr id="1" name=""/>
+        <p:cNvGrpSpPr/>
+        <p:nvPr/>
+      </p:nvGrpSpPr>
+      <p:grpSpPr>
+        <a:xfrm>
+          <a:off x="0" y="0"/>
+          <a:ext cx="0" cy="0"/>
+          <a:chOff x="0" y="0"/>
+          <a:chExt cx="0" cy="0"/>
+        </a:xfrm>
+      </p:grpSpPr>
+      <p:sp>
+        <p:nvSpPr>
+          <p:cNvPr id="2" name="Title 1"/>
+          <p:cNvSpPr>
+            <a:spLocks noGrp="1"/>
+          </p:cNvSpPr>
+          <p:nvPr>
+            <p:ph type="title"/>
+          </p:nvPr>
+        </p:nvSpPr>
+        <p:spPr/>
+        <p:txBody>
+          <a:bodyPr/>
+          <a:lstStyle/>
+          <a:p>
+            <a:r>
+              <a:rPr lang="en-US" dirty="0" smtClean="0"/>
+              <a:t>EHCAHCE</a:t>
+            </a:r>
+            <a:endParaRPr lang="en-US" dirty="0"/>
+          </a:p>
+        </p:txBody>
+      </p:sp>
+      <p:sp>
+        <p:nvSpPr>
+          <p:cNvPr id="3" name="Content Placeholder 2"/>
+          <p:cNvSpPr>
+            <a:spLocks noGrp="1"/>
+          </p:cNvSpPr>
+          <p:nvPr>
+            <p:ph idx="1"/>
+          </p:nvPr>
+        </p:nvSpPr>
+        <p:spPr/>
+        <p:txBody>
+          <a:bodyPr anchor="ctr"/>
+          <a:lstStyle/>
+          <a:p>
+            <a:r>
+              <a:rPr lang="en-US" dirty="0" smtClean="0"/>
+              <a:t>Java’s most widely used cache.</a:t>
+            </a:r>
+          </a:p>
+          <a:p>
+            <a:r>
+              <a:rPr lang="en-US" dirty="0" smtClean="0"/>
+              <a:t>Open Source</a:t>
+            </a:r>
+          </a:p>
+          <a:p>
+            <a:r>
+              <a:rPr lang="en-US" dirty="0" smtClean="0"/>
+              <a:t>Commercial Support by </a:t>
+            </a:r>
+            <a:r>
+              <a:rPr lang="en-US" dirty="0" err="1" smtClean="0"/>
+              <a:t>Terracota</a:t>
+            </a:r>
+            <a:r>
+              <a:rPr lang="en-US" dirty="0" smtClean="0"/>
+              <a:t> </a:t>
+            </a:r>
+            <a:r>
+              <a:rPr lang="en-US" dirty="0" err="1" smtClean="0"/>
+              <a:t>lnc</a:t>
+            </a:r>
+            <a:r>
+              <a:rPr lang="en-US" dirty="0" smtClean="0"/>
+              <a:t>.</a:t>
+            </a:r>
+          </a:p>
+          <a:p>
+            <a:r>
+              <a:rPr lang="en-US" dirty="0" smtClean="0"/>
+              <a:t>Its robust, proven, full-featured, and integrates with other popular libraries and frameworks. </a:t>
+            </a:r>
+          </a:p>
+          <a:p>
+            <a:r>
+              <a:rPr lang="en-US" dirty="0" smtClean="0"/>
+              <a:t>It can be used with hibernate as general purpose and 2</a:t>
+            </a:r>
+            <a:r>
+              <a:rPr lang="en-US" baseline="30000" dirty="0" smtClean="0"/>
+              <a:t>nd</a:t>
+            </a:r>
+            <a:r>
+              <a:rPr lang="en-US" dirty="0" smtClean="0"/>
+              <a:t> level cache.</a:t>
+            </a:r>
+          </a:p>
+          <a:p>
+            <a:r>
+              <a:rPr lang="en-US" dirty="0" smtClean="0"/>
+              <a:t>Integrates with spring, google app engine and others. </a:t>
+            </a:r>
+            <a:endParaRPr lang="en-US" dirty="0"/>
+          </a:p>
+        </p:txBody>
+      </p:sp>
+    </p:spTree>
+    <p:extLst>
+      <p:ext uri="{BB962C8B-B14F-4D97-AF65-F5344CB8AC3E}">
+        <p14:creationId xmlns:p14="http://schemas.microsoft.com/office/powerpoint/2010/main" val="1121973283"/>
+      </p:ext>
+    </p:extLst>
+  </p:cSld>
+  <p:clrMapOvr>
+    <a:masterClrMapping/>
+  </p:clrMapOvr>
+</p:sld>
+</file>
+
 <file path=ppt/slides/slide2.xml><?xml version="1.0" encoding="utf-8"?>
 <p:sld xmlns:a="http://schemas.openxmlformats.org/drawingml/2006/main" xmlns:r="http://schemas.openxmlformats.org/officeDocument/2006/relationships" xmlns:p="http://schemas.openxmlformats.org/presentationml/2006/main">
   <p:cSld>
@@ -4803,6 +4941,277 @@
       </p:par>
     </p:tnLst>
   </p:timing>
+</p:sld>
+</file>
+
+<file path=ppt/slides/slide20.xml><?xml version="1.0" encoding="utf-8"?>
+<p:sld xmlns:a="http://schemas.openxmlformats.org/drawingml/2006/main" xmlns:r="http://schemas.openxmlformats.org/officeDocument/2006/relationships" xmlns:p="http://schemas.openxmlformats.org/presentationml/2006/main">
+  <p:cSld>
+    <p:spTree>
+      <p:nvGrpSpPr>
+        <p:cNvPr id="1" name=""/>
+        <p:cNvGrpSpPr/>
+        <p:nvPr/>
+      </p:nvGrpSpPr>
+      <p:grpSpPr>
+        <a:xfrm>
+          <a:off x="0" y="0"/>
+          <a:ext cx="0" cy="0"/>
+          <a:chOff x="0" y="0"/>
+          <a:chExt cx="0" cy="0"/>
+        </a:xfrm>
+      </p:grpSpPr>
+      <p:sp>
+        <p:nvSpPr>
+          <p:cNvPr id="2" name="Title 1"/>
+          <p:cNvSpPr>
+            <a:spLocks noGrp="1"/>
+          </p:cNvSpPr>
+          <p:nvPr>
+            <p:ph type="title"/>
+          </p:nvPr>
+        </p:nvSpPr>
+        <p:spPr/>
+        <p:txBody>
+          <a:bodyPr/>
+          <a:lstStyle/>
+          <a:p>
+            <a:r>
+              <a:rPr lang="en-US" dirty="0" smtClean="0"/>
+              <a:t>Key Terms</a:t>
+            </a:r>
+            <a:endParaRPr lang="en-US" dirty="0"/>
+          </a:p>
+        </p:txBody>
+      </p:sp>
+      <p:sp>
+        <p:nvSpPr>
+          <p:cNvPr id="3" name="Content Placeholder 2"/>
+          <p:cNvSpPr>
+            <a:spLocks noGrp="1"/>
+          </p:cNvSpPr>
+          <p:nvPr>
+            <p:ph idx="1"/>
+          </p:nvPr>
+        </p:nvSpPr>
+        <p:spPr/>
+        <p:txBody>
+          <a:bodyPr anchor="ctr"/>
+          <a:lstStyle/>
+          <a:p>
+            <a:r>
+              <a:rPr lang="en-US" dirty="0" smtClean="0"/>
+              <a:t>Cache hit (</a:t>
+            </a:r>
+            <a:r>
+              <a:rPr lang="en-US" dirty="0"/>
+              <a:t>The </a:t>
+            </a:r>
+            <a:r>
+              <a:rPr lang="en-US" b="1" dirty="0"/>
+              <a:t>cache hit</a:t>
+            </a:r>
+            <a:r>
+              <a:rPr lang="en-US" dirty="0"/>
+              <a:t> is when you look something up in a </a:t>
+            </a:r>
+            <a:r>
+              <a:rPr lang="en-US" b="1" dirty="0"/>
+              <a:t>cache</a:t>
+            </a:r>
+            <a:r>
+              <a:rPr lang="en-US" dirty="0"/>
+              <a:t> and it was storing the item and is able to satisfy the query</a:t>
+            </a:r>
+            <a:r>
+              <a:rPr lang="en-US" dirty="0" smtClean="0"/>
+              <a:t>.)</a:t>
+            </a:r>
+          </a:p>
+          <a:p>
+            <a:r>
+              <a:rPr lang="en-US" dirty="0" smtClean="0"/>
+              <a:t>Cache miss (</a:t>
+            </a:r>
+            <a:r>
+              <a:rPr lang="en-US" dirty="0"/>
+              <a:t>A </a:t>
+            </a:r>
+            <a:r>
+              <a:rPr lang="en-US" b="1" dirty="0"/>
+              <a:t>cache miss</a:t>
+            </a:r>
+            <a:r>
+              <a:rPr lang="en-US" dirty="0"/>
+              <a:t>, generally, is when something is looked up in the </a:t>
+            </a:r>
+            <a:r>
+              <a:rPr lang="en-US" b="1" dirty="0"/>
+              <a:t>cache</a:t>
+            </a:r>
+            <a:r>
+              <a:rPr lang="en-US" dirty="0"/>
+              <a:t> and is not found – the </a:t>
+            </a:r>
+            <a:r>
+              <a:rPr lang="en-US" b="1" dirty="0"/>
+              <a:t>cache</a:t>
+            </a:r>
+            <a:r>
+              <a:rPr lang="en-US" dirty="0"/>
+              <a:t> did not contain the item being looked up</a:t>
+            </a:r>
+            <a:r>
+              <a:rPr lang="en-US" dirty="0" smtClean="0"/>
+              <a:t>.)</a:t>
+            </a:r>
+          </a:p>
+          <a:p>
+            <a:r>
+              <a:rPr lang="en-US" dirty="0" smtClean="0"/>
+              <a:t>System of record. (</a:t>
+            </a:r>
+            <a:r>
+              <a:rPr lang="en-US" dirty="0"/>
+              <a:t>A </a:t>
+            </a:r>
+            <a:r>
+              <a:rPr lang="en-US" b="1" dirty="0"/>
+              <a:t>system of record</a:t>
+            </a:r>
+            <a:r>
+              <a:rPr lang="en-US" dirty="0"/>
+              <a:t> is the authoritative repository for data. It will usually be a </a:t>
+            </a:r>
+            <a:r>
+              <a:rPr lang="en-US" b="1" dirty="0"/>
+              <a:t>system's</a:t>
+            </a:r>
+            <a:r>
+              <a:rPr lang="en-US" dirty="0"/>
+              <a:t> primary database, but some </a:t>
+            </a:r>
+            <a:r>
+              <a:rPr lang="en-US" b="1" dirty="0"/>
+              <a:t>systems</a:t>
+            </a:r>
+            <a:r>
+              <a:rPr lang="en-US" dirty="0"/>
+              <a:t> are able to use other </a:t>
+            </a:r>
+            <a:r>
+              <a:rPr lang="en-US" b="1" dirty="0"/>
+              <a:t>systems of record</a:t>
+            </a:r>
+            <a:r>
+              <a:rPr lang="en-US" dirty="0"/>
+              <a:t> efficiently</a:t>
+            </a:r>
+            <a:r>
+              <a:rPr lang="en-US" dirty="0" smtClean="0"/>
+              <a:t>.)</a:t>
+            </a:r>
+            <a:endParaRPr lang="en-US" dirty="0"/>
+          </a:p>
+        </p:txBody>
+      </p:sp>
+    </p:spTree>
+    <p:extLst>
+      <p:ext uri="{BB962C8B-B14F-4D97-AF65-F5344CB8AC3E}">
+        <p14:creationId xmlns:p14="http://schemas.microsoft.com/office/powerpoint/2010/main" val="2629288982"/>
+      </p:ext>
+    </p:extLst>
+  </p:cSld>
+  <p:clrMapOvr>
+    <a:masterClrMapping/>
+  </p:clrMapOvr>
+</p:sld>
+</file>
+
+<file path=ppt/slides/slide21.xml><?xml version="1.0" encoding="utf-8"?>
+<p:sld xmlns:a="http://schemas.openxmlformats.org/drawingml/2006/main" xmlns:r="http://schemas.openxmlformats.org/officeDocument/2006/relationships" xmlns:p="http://schemas.openxmlformats.org/presentationml/2006/main">
+  <p:cSld>
+    <p:spTree>
+      <p:nvGrpSpPr>
+        <p:cNvPr id="1" name=""/>
+        <p:cNvGrpSpPr/>
+        <p:nvPr/>
+      </p:nvGrpSpPr>
+      <p:grpSpPr>
+        <a:xfrm>
+          <a:off x="0" y="0"/>
+          <a:ext cx="0" cy="0"/>
+          <a:chOff x="0" y="0"/>
+          <a:chExt cx="0" cy="0"/>
+        </a:xfrm>
+      </p:grpSpPr>
+      <p:sp>
+        <p:nvSpPr>
+          <p:cNvPr id="2" name="Title 1"/>
+          <p:cNvSpPr>
+            <a:spLocks noGrp="1"/>
+          </p:cNvSpPr>
+          <p:nvPr>
+            <p:ph type="title"/>
+          </p:nvPr>
+        </p:nvSpPr>
+        <p:spPr/>
+        <p:txBody>
+          <a:bodyPr/>
+          <a:lstStyle/>
+          <a:p>
+            <a:r>
+              <a:rPr lang="en-US" dirty="0" smtClean="0"/>
+              <a:t>Topology</a:t>
+            </a:r>
+            <a:endParaRPr lang="en-US" dirty="0"/>
+          </a:p>
+        </p:txBody>
+      </p:sp>
+      <p:sp>
+        <p:nvSpPr>
+          <p:cNvPr id="3" name="Content Placeholder 2"/>
+          <p:cNvSpPr>
+            <a:spLocks noGrp="1"/>
+          </p:cNvSpPr>
+          <p:nvPr>
+            <p:ph idx="1"/>
+          </p:nvPr>
+        </p:nvSpPr>
+        <p:spPr/>
+        <p:txBody>
+          <a:bodyPr anchor="ctr"/>
+          <a:lstStyle/>
+          <a:p>
+            <a:r>
+              <a:rPr lang="en-US" dirty="0" smtClean="0"/>
+              <a:t>Standalone</a:t>
+            </a:r>
+          </a:p>
+          <a:p>
+            <a:r>
+              <a:rPr lang="en-US" dirty="0" smtClean="0"/>
+              <a:t>Distributed</a:t>
+            </a:r>
+          </a:p>
+          <a:p>
+            <a:r>
+              <a:rPr lang="en-US" dirty="0" smtClean="0"/>
+              <a:t>Replicated</a:t>
+            </a:r>
+          </a:p>
+        </p:txBody>
+      </p:sp>
+    </p:spTree>
+    <p:extLst>
+      <p:ext uri="{BB962C8B-B14F-4D97-AF65-F5344CB8AC3E}">
+        <p14:creationId xmlns:p14="http://schemas.microsoft.com/office/powerpoint/2010/main" val="804098248"/>
+      </p:ext>
+    </p:extLst>
+  </p:cSld>
+  <p:clrMapOvr>
+    <a:masterClrMapping/>
+  </p:clrMapOvr>
 </p:sld>
 </file>
 
